--- a/Redis Admin Guide.pptx
+++ b/Redis Admin Guide.pptx
@@ -308,7 +308,7 @@
           <a:p>
             <a:fld id="{8D4DF448-8FF8-41A0-ACFA-0A4D253E2962}" type="datetimeFigureOut">
               <a:rPr lang="en-IN" smtClean="0"/>
-              <a:t>08-05-2023</a:t>
+              <a:t>11-05-2023</a:t>
             </a:fld>
             <a:endParaRPr lang="en-IN"/>
           </a:p>
@@ -2891,7 +2891,7 @@
           <a:p>
             <a:fld id="{5EB7A8D5-8A39-476A-AE59-75F9A47994F3}" type="datetimeFigureOut">
               <a:rPr lang="en-IN" smtClean="0"/>
-              <a:t>08-05-2023</a:t>
+              <a:t>11-05-2023</a:t>
             </a:fld>
             <a:endParaRPr lang="en-IN"/>
           </a:p>
@@ -3061,7 +3061,7 @@
           <a:p>
             <a:fld id="{5EB7A8D5-8A39-476A-AE59-75F9A47994F3}" type="datetimeFigureOut">
               <a:rPr lang="en-IN" smtClean="0"/>
-              <a:t>08-05-2023</a:t>
+              <a:t>11-05-2023</a:t>
             </a:fld>
             <a:endParaRPr lang="en-IN"/>
           </a:p>
@@ -3241,7 +3241,7 @@
           <a:p>
             <a:fld id="{5EB7A8D5-8A39-476A-AE59-75F9A47994F3}" type="datetimeFigureOut">
               <a:rPr lang="en-IN" smtClean="0"/>
-              <a:t>08-05-2023</a:t>
+              <a:t>11-05-2023</a:t>
             </a:fld>
             <a:endParaRPr lang="en-IN"/>
           </a:p>
@@ -3411,7 +3411,7 @@
           <a:p>
             <a:fld id="{5EB7A8D5-8A39-476A-AE59-75F9A47994F3}" type="datetimeFigureOut">
               <a:rPr lang="en-IN" smtClean="0"/>
-              <a:t>08-05-2023</a:t>
+              <a:t>11-05-2023</a:t>
             </a:fld>
             <a:endParaRPr lang="en-IN"/>
           </a:p>
@@ -3657,7 +3657,7 @@
           <a:p>
             <a:fld id="{5EB7A8D5-8A39-476A-AE59-75F9A47994F3}" type="datetimeFigureOut">
               <a:rPr lang="en-IN" smtClean="0"/>
-              <a:t>08-05-2023</a:t>
+              <a:t>11-05-2023</a:t>
             </a:fld>
             <a:endParaRPr lang="en-IN"/>
           </a:p>
@@ -3889,7 +3889,7 @@
           <a:p>
             <a:fld id="{5EB7A8D5-8A39-476A-AE59-75F9A47994F3}" type="datetimeFigureOut">
               <a:rPr lang="en-IN" smtClean="0"/>
-              <a:t>08-05-2023</a:t>
+              <a:t>11-05-2023</a:t>
             </a:fld>
             <a:endParaRPr lang="en-IN"/>
           </a:p>
@@ -4256,7 +4256,7 @@
           <a:p>
             <a:fld id="{5EB7A8D5-8A39-476A-AE59-75F9A47994F3}" type="datetimeFigureOut">
               <a:rPr lang="en-IN" smtClean="0"/>
-              <a:t>08-05-2023</a:t>
+              <a:t>11-05-2023</a:t>
             </a:fld>
             <a:endParaRPr lang="en-IN"/>
           </a:p>
@@ -4374,7 +4374,7 @@
           <a:p>
             <a:fld id="{5EB7A8D5-8A39-476A-AE59-75F9A47994F3}" type="datetimeFigureOut">
               <a:rPr lang="en-IN" smtClean="0"/>
-              <a:t>08-05-2023</a:t>
+              <a:t>11-05-2023</a:t>
             </a:fld>
             <a:endParaRPr lang="en-IN"/>
           </a:p>
@@ -4469,7 +4469,7 @@
           <a:p>
             <a:fld id="{5EB7A8D5-8A39-476A-AE59-75F9A47994F3}" type="datetimeFigureOut">
               <a:rPr lang="en-IN" smtClean="0"/>
-              <a:t>08-05-2023</a:t>
+              <a:t>11-05-2023</a:t>
             </a:fld>
             <a:endParaRPr lang="en-IN"/>
           </a:p>
@@ -4746,7 +4746,7 @@
           <a:p>
             <a:fld id="{5EB7A8D5-8A39-476A-AE59-75F9A47994F3}" type="datetimeFigureOut">
               <a:rPr lang="en-IN" smtClean="0"/>
-              <a:t>08-05-2023</a:t>
+              <a:t>11-05-2023</a:t>
             </a:fld>
             <a:endParaRPr lang="en-IN"/>
           </a:p>
@@ -5003,7 +5003,7 @@
           <a:p>
             <a:fld id="{5EB7A8D5-8A39-476A-AE59-75F9A47994F3}" type="datetimeFigureOut">
               <a:rPr lang="en-IN" smtClean="0"/>
-              <a:t>08-05-2023</a:t>
+              <a:t>11-05-2023</a:t>
             </a:fld>
             <a:endParaRPr lang="en-IN"/>
           </a:p>
@@ -5216,7 +5216,7 @@
           <a:p>
             <a:fld id="{5EB7A8D5-8A39-476A-AE59-75F9A47994F3}" type="datetimeFigureOut">
               <a:rPr lang="en-IN" smtClean="0"/>
-              <a:t>08-05-2023</a:t>
+              <a:t>11-05-2023</a:t>
             </a:fld>
             <a:endParaRPr lang="en-IN"/>
           </a:p>
@@ -8109,7 +8109,7 @@
         </p:blipFill>
         <p:spPr>
           <a:xfrm>
-            <a:off x="0" y="0"/>
+            <a:off x="164523" y="498763"/>
             <a:ext cx="11862954" cy="6868026"/>
           </a:xfrm>
           <a:prstGeom prst="rect">
